--- a/Foreign Checkers_HW2.pptx
+++ b/Foreign Checkers_HW2.pptx
@@ -114,6 +114,11 @@
       </a:defRPr>
     </a:lvl9pPr>
   </p:defaultTextStyle>
+  <p:extLst>
+    <p:ext uri="{EFAFB233-063F-42B5-8137-9DF3F51BA10A}">
+      <p15:sldGuideLst xmlns:p15="http://schemas.microsoft.com/office/powerpoint/2012/main"/>
+    </p:ext>
+  </p:extLst>
 </p:presentation>
 </file>
 
@@ -3872,31 +3877,6 @@
       </p:grpSpPr>
       <p:sp>
         <p:nvSpPr>
-          <p:cNvPr id="2" name="標題 1">
-            <a:extLst>
-              <a:ext uri="{FF2B5EF4-FFF2-40B4-BE49-F238E27FC236}">
-                <a16:creationId xmlns:a16="http://schemas.microsoft.com/office/drawing/2014/main" id="{999E1653-1F05-4B3F-95EE-569BD1BF512C}"/>
-              </a:ext>
-            </a:extLst>
-          </p:cNvPr>
-          <p:cNvSpPr>
-            <a:spLocks noGrp="1"/>
-          </p:cNvSpPr>
-          <p:nvPr>
-            <p:ph type="title"/>
-          </p:nvPr>
-        </p:nvSpPr>
-        <p:spPr/>
-        <p:txBody>
-          <a:bodyPr/>
-          <a:lstStyle/>
-          <a:p>
-            <a:endParaRPr lang="zh-TW" altLang="en-US" dirty="0"/>
-          </a:p>
-        </p:txBody>
-      </p:sp>
-      <p:sp>
-        <p:nvSpPr>
           <p:cNvPr id="3" name="內容版面配置區 2">
             <a:extLst>
               <a:ext uri="{FF2B5EF4-FFF2-40B4-BE49-F238E27FC236}">
@@ -4184,11 +4164,17 @@
               <a:buNone/>
             </a:pPr>
             <a:r>
-              <a:rPr lang="zh-CN" altLang="en-US" sz="2400" dirty="0"/>
-              <a:t>算法的本质思想是</a:t>
-            </a:r>
-            <a:r>
-              <a:rPr lang="en-US" altLang="zh-TW" sz="2400" dirty="0"/>
+              <a:rPr lang="zh-TW" altLang="en-US" sz="2400" dirty="0">
+                <a:latin typeface="微軟正黑體" panose="020B0604030504040204" pitchFamily="34" charset="-120"/>
+                <a:ea typeface="微軟正黑體" panose="020B0604030504040204" pitchFamily="34" charset="-120"/>
+              </a:rPr>
+              <a:t>算法的本質思想是</a:t>
+            </a:r>
+            <a:r>
+              <a:rPr lang="en-US" altLang="zh-TW" sz="2400" dirty="0">
+                <a:latin typeface="微軟正黑體" panose="020B0604030504040204" pitchFamily="34" charset="-120"/>
+                <a:ea typeface="微軟正黑體" panose="020B0604030504040204" pitchFamily="34" charset="-120"/>
+              </a:rPr>
               <a:t>:</a:t>
             </a:r>
           </a:p>
@@ -4197,68 +4183,151 @@
               <a:buNone/>
             </a:pPr>
             <a:r>
-              <a:rPr lang="zh-CN" altLang="en-US" sz="2400" dirty="0"/>
-              <a:t>一方总是寻找对己方最有利的的走法，而另一方总是寻找对对方最不利的走法。</a:t>
-            </a:r>
-            <a:endParaRPr lang="en-US" altLang="zh-CN" sz="2400" dirty="0"/>
+              <a:rPr lang="zh-TW" altLang="en-US" sz="2400" b="1" dirty="0">
+                <a:latin typeface="微軟正黑體" panose="020B0604030504040204" pitchFamily="34" charset="-120"/>
+                <a:ea typeface="微軟正黑體" panose="020B0604030504040204" pitchFamily="34" charset="-120"/>
+              </a:rPr>
+              <a:t>一方總是尋找對己方最有利的的走法，而另一方總是尋找對對方最不利的走法。</a:t>
+            </a:r>
+            <a:endParaRPr lang="en-US" altLang="zh-TW" sz="2400" b="1" dirty="0">
+              <a:latin typeface="微軟正黑體" panose="020B0604030504040204" pitchFamily="34" charset="-120"/>
+              <a:ea typeface="微軟正黑體" panose="020B0604030504040204" pitchFamily="34" charset="-120"/>
+            </a:endParaRPr>
           </a:p>
           <a:p>
             <a:pPr marL="0" indent="0">
               <a:buNone/>
             </a:pPr>
-            <a:r>
-              <a:rPr lang="zh-CN" altLang="en-US" sz="2400" dirty="0"/>
-              <a:t>假设：</a:t>
-            </a:r>
-            <a:r>
-              <a:rPr lang="en-US" altLang="zh-CN" sz="2400" dirty="0"/>
+            <a:endParaRPr lang="en-US" altLang="zh-TW" sz="2400" dirty="0">
+              <a:latin typeface="微軟正黑體" panose="020B0604030504040204" pitchFamily="34" charset="-120"/>
+              <a:ea typeface="微軟正黑體" panose="020B0604030504040204" pitchFamily="34" charset="-120"/>
+            </a:endParaRPr>
+          </a:p>
+          <a:p>
+            <a:pPr marL="0" indent="0">
+              <a:buNone/>
+            </a:pPr>
+            <a:r>
+              <a:rPr lang="zh-TW" altLang="en-US" sz="2400" dirty="0">
+                <a:latin typeface="微軟正黑體" panose="020B0604030504040204" pitchFamily="34" charset="-120"/>
+                <a:ea typeface="微軟正黑體" panose="020B0604030504040204" pitchFamily="34" charset="-120"/>
+              </a:rPr>
+              <a:t>假設</a:t>
+            </a:r>
+            <a:r>
+              <a:rPr lang="en-US" altLang="zh-TW" sz="2400" dirty="0">
+                <a:latin typeface="微軟正黑體" panose="020B0604030504040204" pitchFamily="34" charset="-120"/>
+                <a:ea typeface="微軟正黑體" panose="020B0604030504040204" pitchFamily="34" charset="-120"/>
+              </a:rPr>
+              <a:t>:A</a:t>
+            </a:r>
+            <a:r>
+              <a:rPr lang="zh-TW" altLang="en-US" sz="2400" dirty="0">
+                <a:latin typeface="微軟正黑體" panose="020B0604030504040204" pitchFamily="34" charset="-120"/>
+                <a:ea typeface="微軟正黑體" panose="020B0604030504040204" pitchFamily="34" charset="-120"/>
+              </a:rPr>
+              <a:t>和</a:t>
+            </a:r>
+            <a:r>
+              <a:rPr lang="en-US" altLang="zh-TW" sz="2400" dirty="0">
+                <a:latin typeface="微軟正黑體" panose="020B0604030504040204" pitchFamily="34" charset="-120"/>
+                <a:ea typeface="微軟正黑體" panose="020B0604030504040204" pitchFamily="34" charset="-120"/>
+              </a:rPr>
+              <a:t>B</a:t>
+            </a:r>
+            <a:r>
+              <a:rPr lang="zh-TW" altLang="en-US" sz="2400" dirty="0">
+                <a:latin typeface="微軟正黑體" panose="020B0604030504040204" pitchFamily="34" charset="-120"/>
+                <a:ea typeface="微軟正黑體" panose="020B0604030504040204" pitchFamily="34" charset="-120"/>
+              </a:rPr>
+              <a:t>對弈，輪到</a:t>
+            </a:r>
+            <a:r>
+              <a:rPr lang="en-US" altLang="zh-TW" sz="2400" dirty="0">
+                <a:latin typeface="微軟正黑體" panose="020B0604030504040204" pitchFamily="34" charset="-120"/>
+                <a:ea typeface="微軟正黑體" panose="020B0604030504040204" pitchFamily="34" charset="-120"/>
+              </a:rPr>
               <a:t>A</a:t>
             </a:r>
             <a:r>
-              <a:rPr lang="zh-CN" altLang="en-US" sz="2400" dirty="0"/>
-              <a:t>和</a:t>
-            </a:r>
-            <a:r>
-              <a:rPr lang="en-US" altLang="zh-CN" sz="2400" dirty="0"/>
+              <a:rPr lang="zh-TW" altLang="en-US" sz="2400" dirty="0">
+                <a:latin typeface="微軟正黑體" panose="020B0604030504040204" pitchFamily="34" charset="-120"/>
+                <a:ea typeface="微軟正黑體" panose="020B0604030504040204" pitchFamily="34" charset="-120"/>
+              </a:rPr>
+              <a:t>走棋了，那麼我們會遍歷</a:t>
+            </a:r>
+            <a:r>
+              <a:rPr lang="en-US" altLang="zh-TW" sz="2400" dirty="0">
+                <a:latin typeface="微軟正黑體" panose="020B0604030504040204" pitchFamily="34" charset="-120"/>
+                <a:ea typeface="微軟正黑體" panose="020B0604030504040204" pitchFamily="34" charset="-120"/>
+              </a:rPr>
+              <a:t>A</a:t>
+            </a:r>
+            <a:r>
+              <a:rPr lang="zh-TW" altLang="en-US" sz="2400" dirty="0">
+                <a:latin typeface="微軟正黑體" panose="020B0604030504040204" pitchFamily="34" charset="-120"/>
+                <a:ea typeface="微軟正黑體" panose="020B0604030504040204" pitchFamily="34" charset="-120"/>
+              </a:rPr>
+              <a:t>的每一個可能走棋方法，然後對於前面</a:t>
+            </a:r>
+            <a:r>
+              <a:rPr lang="en-US" altLang="zh-TW" sz="2400" dirty="0">
+                <a:latin typeface="微軟正黑體" panose="020B0604030504040204" pitchFamily="34" charset="-120"/>
+                <a:ea typeface="微軟正黑體" panose="020B0604030504040204" pitchFamily="34" charset="-120"/>
+              </a:rPr>
+              <a:t>A</a:t>
+            </a:r>
+            <a:r>
+              <a:rPr lang="zh-TW" altLang="en-US" sz="2400" dirty="0">
+                <a:latin typeface="微軟正黑體" panose="020B0604030504040204" pitchFamily="34" charset="-120"/>
+                <a:ea typeface="微軟正黑體" panose="020B0604030504040204" pitchFamily="34" charset="-120"/>
+              </a:rPr>
+              <a:t>的每一個走棋方法，遍歷</a:t>
+            </a:r>
+            <a:r>
+              <a:rPr lang="en-US" altLang="zh-TW" sz="2400" dirty="0">
+                <a:latin typeface="微軟正黑體" panose="020B0604030504040204" pitchFamily="34" charset="-120"/>
+                <a:ea typeface="微軟正黑體" panose="020B0604030504040204" pitchFamily="34" charset="-120"/>
+              </a:rPr>
               <a:t>B</a:t>
             </a:r>
             <a:r>
-              <a:rPr lang="zh-CN" altLang="en-US" sz="2400" dirty="0"/>
-              <a:t>对弈，轮到Ａ走棋了，那么我们会遍历</a:t>
-            </a:r>
-            <a:r>
-              <a:rPr lang="en-US" altLang="zh-CN" sz="2400" dirty="0"/>
+              <a:rPr lang="zh-TW" altLang="en-US" sz="2400" dirty="0">
+                <a:latin typeface="微軟正黑體" panose="020B0604030504040204" pitchFamily="34" charset="-120"/>
+                <a:ea typeface="微軟正黑體" panose="020B0604030504040204" pitchFamily="34" charset="-120"/>
+              </a:rPr>
+              <a:t>的每一個走棋方法，然後接著遍歷</a:t>
+            </a:r>
+            <a:r>
+              <a:rPr lang="en-US" altLang="zh-TW" sz="2400" dirty="0">
+                <a:latin typeface="微軟正黑體" panose="020B0604030504040204" pitchFamily="34" charset="-120"/>
+                <a:ea typeface="微軟正黑體" panose="020B0604030504040204" pitchFamily="34" charset="-120"/>
+              </a:rPr>
               <a:t>A</a:t>
             </a:r>
             <a:r>
-              <a:rPr lang="zh-CN" altLang="en-US" sz="2400" dirty="0"/>
-              <a:t>的每一个可能走棋方法，然后对于前面</a:t>
-            </a:r>
-            <a:r>
-              <a:rPr lang="en-US" altLang="zh-CN" sz="2400" dirty="0"/>
-              <a:t>A</a:t>
-            </a:r>
-            <a:r>
-              <a:rPr lang="zh-CN" altLang="en-US" sz="2400" dirty="0"/>
-              <a:t>的每一个走棋方法，遍历</a:t>
-            </a:r>
-            <a:r>
-              <a:rPr lang="en-US" altLang="zh-CN" sz="2400" dirty="0"/>
-              <a:t>B</a:t>
-            </a:r>
-            <a:r>
-              <a:rPr lang="zh-CN" altLang="en-US" sz="2400" dirty="0"/>
-              <a:t>的每一个走棋方法，然后接着遍历</a:t>
-            </a:r>
-            <a:r>
-              <a:rPr lang="en-US" altLang="zh-CN" sz="2400" dirty="0"/>
-              <a:t>A</a:t>
-            </a:r>
-            <a:r>
-              <a:rPr lang="zh-CN" altLang="en-US" sz="2400" dirty="0"/>
-              <a:t>的每一个走棋方法，如此下去，直到得到确定的结果或者达到了搜索深度的限制。当达到了搜索深度限制，此时无法判断结局如何，一般都是根据当前局面的形式，给出一个得分，计算得分的方法被称为评价函数，不同游戏的评价函数差别很大，需要很好的设计。</a:t>
-            </a:r>
-            <a:endParaRPr lang="zh-TW" altLang="en-US" sz="2400" dirty="0"/>
+              <a:rPr lang="zh-TW" altLang="en-US" sz="2400" dirty="0">
+                <a:latin typeface="微軟正黑體" panose="020B0604030504040204" pitchFamily="34" charset="-120"/>
+                <a:ea typeface="微軟正黑體" panose="020B0604030504040204" pitchFamily="34" charset="-120"/>
+              </a:rPr>
+              <a:t>的每一個走棋方法，如此下去，直到得到確定的结果或者達到了搜索深度的限制。</a:t>
+            </a:r>
+            <a:endParaRPr lang="en-US" altLang="zh-TW" sz="2400" dirty="0">
+              <a:latin typeface="微軟正黑體" panose="020B0604030504040204" pitchFamily="34" charset="-120"/>
+              <a:ea typeface="微軟正黑體" panose="020B0604030504040204" pitchFamily="34" charset="-120"/>
+            </a:endParaRPr>
+          </a:p>
+          <a:p>
+            <a:pPr marL="0" indent="0">
+              <a:buNone/>
+            </a:pPr>
+            <a:r>
+              <a:rPr lang="zh-TW" altLang="en-US" sz="2400" dirty="0">
+                <a:latin typeface="微軟正黑體" panose="020B0604030504040204" pitchFamily="34" charset="-120"/>
+                <a:ea typeface="微軟正黑體" panose="020B0604030504040204" pitchFamily="34" charset="-120"/>
+              </a:rPr>
+              <a:t>當達到了搜索深度限制，此時無法判斷结局如何，一般都是根據當前局面的形式，给出一個得分，記算得分的方法被稱為評價函數，不同遊戲的評價函數差别很大，需要很好的設計。</a:t>
+            </a:r>
           </a:p>
         </p:txBody>
       </p:sp>
